--- a/docs/How-Wow_Now_Template.pptx
+++ b/docs/How-Wow_Now_Template.pptx
@@ -5,10 +5,11 @@
     <p:sldMasterId id="2147483662" r:id="rId1"/>
   </p:sldMasterIdLst>
   <p:notesMasterIdLst>
-    <p:notesMasterId r:id="rId3"/>
+    <p:notesMasterId r:id="rId4"/>
   </p:notesMasterIdLst>
   <p:sldIdLst>
     <p:sldId id="1036" r:id="rId2"/>
+    <p:sldId id="1037" r:id="rId3"/>
   </p:sldIdLst>
   <p:sldSz cx="12192000" cy="6858000"/>
   <p:notesSz cx="6858000" cy="9144000"/>
@@ -206,6 +207,11 @@
       </a:defRPr>
     </a:lvl9pPr>
   </p:defaultTextStyle>
+  <p:extLst>
+    <p:ext uri="{EFAFB233-063F-42B5-8137-9DF3F51BA10A}">
+      <p15:sldGuideLst xmlns:p15="http://schemas.microsoft.com/office/powerpoint/2012/main"/>
+    </p:ext>
+  </p:extLst>
 </p:presentation>
 </file>
 
@@ -291,7 +297,7 @@
           <a:p>
             <a:fld id="{94EB9D18-5716-4A59-BAF0-A4E0D68BDDB0}" type="datetimeFigureOut">
               <a:rPr lang="en-US" smtClean="0"/>
-              <a:t>9/5/2023</a:t>
+              <a:t>9/30/2024</a:t>
             </a:fld>
             <a:endParaRPr lang="en-US"/>
           </a:p>
@@ -638,6 +644,94 @@
     <p:extLst>
       <p:ext uri="{BB962C8B-B14F-4D97-AF65-F5344CB8AC3E}">
         <p14:creationId xmlns:p14="http://schemas.microsoft.com/office/powerpoint/2010/main" val="1335125594"/>
+      </p:ext>
+    </p:extLst>
+  </p:cSld>
+  <p:clrMapOvr>
+    <a:masterClrMapping/>
+  </p:clrMapOvr>
+</p:notes>
+</file>
+
+<file path=ppt/notesSlides/notesSlide2.xml><?xml version="1.0" encoding="utf-8"?>
+<p:notes xmlns:a="http://schemas.openxmlformats.org/drawingml/2006/main" xmlns:r="http://schemas.openxmlformats.org/officeDocument/2006/relationships" xmlns:p="http://schemas.openxmlformats.org/presentationml/2006/main">
+  <p:cSld>
+    <p:spTree>
+      <p:nvGrpSpPr>
+        <p:cNvPr id="1" name=""/>
+        <p:cNvGrpSpPr/>
+        <p:nvPr/>
+      </p:nvGrpSpPr>
+      <p:grpSpPr>
+        <a:xfrm>
+          <a:off x="0" y="0"/>
+          <a:ext cx="0" cy="0"/>
+          <a:chOff x="0" y="0"/>
+          <a:chExt cx="0" cy="0"/>
+        </a:xfrm>
+      </p:grpSpPr>
+      <p:sp>
+        <p:nvSpPr>
+          <p:cNvPr id="2" name="Folienbildplatzhalter 1"/>
+          <p:cNvSpPr>
+            <a:spLocks noGrp="1" noRot="1" noChangeAspect="1"/>
+          </p:cNvSpPr>
+          <p:nvPr>
+            <p:ph type="sldImg"/>
+          </p:nvPr>
+        </p:nvSpPr>
+        <p:spPr/>
+      </p:sp>
+      <p:sp>
+        <p:nvSpPr>
+          <p:cNvPr id="3" name="Notizenplatzhalter 2"/>
+          <p:cNvSpPr>
+            <a:spLocks noGrp="1"/>
+          </p:cNvSpPr>
+          <p:nvPr>
+            <p:ph type="body" idx="1"/>
+          </p:nvPr>
+        </p:nvSpPr>
+        <p:spPr/>
+        <p:txBody>
+          <a:bodyPr/>
+          <a:lstStyle/>
+          <a:p>
+            <a:r>
+              <a:rPr lang="de-DE"/>
+              <a:t>Weitere Informationen: https://www.designthinking-methods.com/3Ideenfindung/how-wow-now.html </a:t>
+            </a:r>
+          </a:p>
+        </p:txBody>
+      </p:sp>
+      <p:sp>
+        <p:nvSpPr>
+          <p:cNvPr id="4" name="Foliennummernplatzhalter 3"/>
+          <p:cNvSpPr>
+            <a:spLocks noGrp="1"/>
+          </p:cNvSpPr>
+          <p:nvPr>
+            <p:ph type="sldNum" sz="quarter" idx="5"/>
+          </p:nvPr>
+        </p:nvSpPr>
+        <p:spPr/>
+        <p:txBody>
+          <a:bodyPr/>
+          <a:lstStyle/>
+          <a:p>
+            <a:fld id="{8EA03A34-464E-4330-B842-BE15B1004585}" type="slidenum">
+              <a:rPr lang="de-DE" smtClean="0"/>
+              <a:pPr/>
+              <a:t>2</a:t>
+            </a:fld>
+            <a:endParaRPr lang="de-DE"/>
+          </a:p>
+        </p:txBody>
+      </p:sp>
+    </p:spTree>
+    <p:extLst>
+      <p:ext uri="{BB962C8B-B14F-4D97-AF65-F5344CB8AC3E}">
+        <p14:creationId xmlns:p14="http://schemas.microsoft.com/office/powerpoint/2010/main" val="3961894727"/>
       </p:ext>
     </p:extLst>
   </p:cSld>
@@ -42737,6 +42831,1811 @@
     <p:extLst>
       <p:ext uri="{BB962C8B-B14F-4D97-AF65-F5344CB8AC3E}">
         <p14:creationId xmlns:p14="http://schemas.microsoft.com/office/powerpoint/2010/main" val="2113596253"/>
+      </p:ext>
+    </p:extLst>
+  </p:cSld>
+  <p:clrMapOvr>
+    <a:masterClrMapping/>
+  </p:clrMapOvr>
+</p:sld>
+</file>
+
+<file path=ppt/slides/slide2.xml><?xml version="1.0" encoding="utf-8"?>
+<p:sld xmlns:a="http://schemas.openxmlformats.org/drawingml/2006/main" xmlns:r="http://schemas.openxmlformats.org/officeDocument/2006/relationships" xmlns:p="http://schemas.openxmlformats.org/presentationml/2006/main">
+  <p:cSld>
+    <p:spTree>
+      <p:nvGrpSpPr>
+        <p:cNvPr id="1" name=""/>
+        <p:cNvGrpSpPr/>
+        <p:nvPr/>
+      </p:nvGrpSpPr>
+      <p:grpSpPr>
+        <a:xfrm>
+          <a:off x="0" y="0"/>
+          <a:ext cx="0" cy="0"/>
+          <a:chOff x="0" y="0"/>
+          <a:chExt cx="0" cy="0"/>
+        </a:xfrm>
+      </p:grpSpPr>
+      <p:sp>
+        <p:nvSpPr>
+          <p:cNvPr id="4" name="Textplatzhalter 3">
+            <a:extLst>
+              <a:ext uri="{FF2B5EF4-FFF2-40B4-BE49-F238E27FC236}">
+                <a16:creationId xmlns:a16="http://schemas.microsoft.com/office/drawing/2014/main" id="{B506E124-FB9E-4D89-BCFD-978ACE27027C}"/>
+              </a:ext>
+            </a:extLst>
+          </p:cNvPr>
+          <p:cNvSpPr>
+            <a:spLocks noGrp="1"/>
+          </p:cNvSpPr>
+          <p:nvPr>
+            <p:ph type="body" idx="13"/>
+          </p:nvPr>
+        </p:nvSpPr>
+        <p:spPr/>
+        <p:txBody>
+          <a:bodyPr/>
+          <a:lstStyle/>
+          <a:p>
+            <a:r>
+              <a:rPr lang="de-DE"/>
+              <a:t>Design </a:t>
+            </a:r>
+            <a:r>
+              <a:rPr lang="de-DE" err="1"/>
+              <a:t>Thinking</a:t>
+            </a:r>
+            <a:r>
+              <a:rPr lang="de-DE"/>
+              <a:t> - </a:t>
+            </a:r>
+            <a:r>
+              <a:rPr lang="de-DE" err="1"/>
+              <a:t>Ideate</a:t>
+            </a:r>
+            <a:endParaRPr lang="de-DE"/>
+          </a:p>
+        </p:txBody>
+      </p:sp>
+      <p:sp>
+        <p:nvSpPr>
+          <p:cNvPr id="5" name="Titel 4">
+            <a:extLst>
+              <a:ext uri="{FF2B5EF4-FFF2-40B4-BE49-F238E27FC236}">
+                <a16:creationId xmlns:a16="http://schemas.microsoft.com/office/drawing/2014/main" id="{B442E584-CC9F-4DBF-B314-4196A036FDF6}"/>
+              </a:ext>
+            </a:extLst>
+          </p:cNvPr>
+          <p:cNvSpPr>
+            <a:spLocks noGrp="1"/>
+          </p:cNvSpPr>
+          <p:nvPr>
+            <p:ph type="title"/>
+          </p:nvPr>
+        </p:nvSpPr>
+        <p:spPr/>
+        <p:txBody>
+          <a:bodyPr/>
+          <a:lstStyle/>
+          <a:p>
+            <a:r>
+              <a:rPr lang="de-DE" err="1"/>
+              <a:t>How</a:t>
+            </a:r>
+            <a:r>
+              <a:rPr lang="de-DE"/>
+              <a:t>-Wow-</a:t>
+            </a:r>
+            <a:r>
+              <a:rPr lang="de-DE" err="1"/>
+              <a:t>Now</a:t>
+            </a:r>
+            <a:r>
+              <a:rPr lang="de-DE"/>
+              <a:t> Matrix</a:t>
+            </a:r>
+          </a:p>
+        </p:txBody>
+      </p:sp>
+      <p:cxnSp>
+        <p:nvCxnSpPr>
+          <p:cNvPr id="6" name="Gerade Verbindung mit Pfeil 5">
+            <a:extLst>
+              <a:ext uri="{FF2B5EF4-FFF2-40B4-BE49-F238E27FC236}">
+                <a16:creationId xmlns:a16="http://schemas.microsoft.com/office/drawing/2014/main" id="{7AF18A5B-3EB1-4013-8B0B-EFAC3E3D2082}"/>
+              </a:ext>
+            </a:extLst>
+          </p:cNvPr>
+          <p:cNvCxnSpPr>
+            <a:cxnSpLocks/>
+          </p:cNvCxnSpPr>
+          <p:nvPr/>
+        </p:nvCxnSpPr>
+        <p:spPr>
+          <a:xfrm>
+            <a:off x="594275" y="6225626"/>
+            <a:ext cx="10756350" cy="0"/>
+          </a:xfrm>
+          <a:prstGeom prst="straightConnector1">
+            <a:avLst/>
+          </a:prstGeom>
+          <a:ln w="9525">
+            <a:solidFill>
+              <a:schemeClr val="accent1"/>
+            </a:solidFill>
+            <a:headEnd type="none" w="med" len="med"/>
+            <a:tailEnd type="arrow" w="med" len="med"/>
+          </a:ln>
+        </p:spPr>
+        <p:style>
+          <a:lnRef idx="1">
+            <a:schemeClr val="accent1"/>
+          </a:lnRef>
+          <a:fillRef idx="0">
+            <a:schemeClr val="accent1"/>
+          </a:fillRef>
+          <a:effectRef idx="0">
+            <a:schemeClr val="accent1"/>
+          </a:effectRef>
+          <a:fontRef idx="minor">
+            <a:schemeClr val="tx1"/>
+          </a:fontRef>
+        </p:style>
+      </p:cxnSp>
+      <p:cxnSp>
+        <p:nvCxnSpPr>
+          <p:cNvPr id="8" name="Gerade Verbindung mit Pfeil 7">
+            <a:extLst>
+              <a:ext uri="{FF2B5EF4-FFF2-40B4-BE49-F238E27FC236}">
+                <a16:creationId xmlns:a16="http://schemas.microsoft.com/office/drawing/2014/main" id="{77198B0A-F2DD-48C1-84E5-4E45D011EDAC}"/>
+              </a:ext>
+            </a:extLst>
+          </p:cNvPr>
+          <p:cNvCxnSpPr>
+            <a:cxnSpLocks/>
+          </p:cNvCxnSpPr>
+          <p:nvPr/>
+        </p:nvCxnSpPr>
+        <p:spPr>
+          <a:xfrm>
+            <a:off x="594275" y="1846263"/>
+            <a:ext cx="0" cy="4379363"/>
+          </a:xfrm>
+          <a:prstGeom prst="straightConnector1">
+            <a:avLst/>
+          </a:prstGeom>
+          <a:ln w="9525">
+            <a:solidFill>
+              <a:schemeClr val="accent1"/>
+            </a:solidFill>
+            <a:headEnd type="arrow" w="med" len="med"/>
+            <a:tailEnd type="none" w="med" len="med"/>
+          </a:ln>
+        </p:spPr>
+        <p:style>
+          <a:lnRef idx="1">
+            <a:schemeClr val="accent1"/>
+          </a:lnRef>
+          <a:fillRef idx="0">
+            <a:schemeClr val="accent1"/>
+          </a:fillRef>
+          <a:effectRef idx="0">
+            <a:schemeClr val="accent1"/>
+          </a:effectRef>
+          <a:fontRef idx="minor">
+            <a:schemeClr val="tx1"/>
+          </a:fontRef>
+        </p:style>
+      </p:cxnSp>
+      <p:sp>
+        <p:nvSpPr>
+          <p:cNvPr id="9" name="Text Box 25">
+            <a:extLst>
+              <a:ext uri="{FF2B5EF4-FFF2-40B4-BE49-F238E27FC236}">
+                <a16:creationId xmlns:a16="http://schemas.microsoft.com/office/drawing/2014/main" id="{5B750578-FA76-4F6A-A7D5-961828FA3A45}"/>
+              </a:ext>
+            </a:extLst>
+          </p:cNvPr>
+          <p:cNvSpPr txBox="1">
+            <a:spLocks/>
+          </p:cNvSpPr>
+          <p:nvPr/>
+        </p:nvSpPr>
+        <p:spPr>
+          <a:xfrm rot="16200000">
+            <a:off x="-10714" y="3777323"/>
+            <a:ext cx="1209979" cy="221599"/>
+          </a:xfrm>
+          <a:prstGeom prst="rect">
+            <a:avLst/>
+          </a:prstGeom>
+          <a:solidFill>
+            <a:schemeClr val="bg1"/>
+          </a:solidFill>
+        </p:spPr>
+        <p:txBody>
+          <a:bodyPr vert="horz" wrap="square" lIns="108000" tIns="0" rIns="108000" bIns="0" rtlCol="0">
+            <a:spAutoFit/>
+          </a:bodyPr>
+          <a:lstStyle>
+            <a:lvl1pPr marL="0" indent="0" algn="l" defTabSz="914400" rtl="0" eaLnBrk="1" latinLnBrk="0" hangingPunct="1">
+              <a:lnSpc>
+                <a:spcPct val="90000"/>
+              </a:lnSpc>
+              <a:spcBef>
+                <a:spcPts val="500"/>
+              </a:spcBef>
+              <a:buClr>
+                <a:schemeClr val="accent1"/>
+              </a:buClr>
+              <a:buFontTx/>
+              <a:buNone/>
+              <a:defRPr sz="1800" kern="1200">
+                <a:solidFill>
+                  <a:schemeClr val="tx1"/>
+                </a:solidFill>
+                <a:latin typeface="+mn-lt"/>
+                <a:ea typeface="+mn-ea"/>
+                <a:cs typeface="+mn-cs"/>
+              </a:defRPr>
+            </a:lvl1pPr>
+            <a:lvl2pPr marL="144000" indent="-144000" algn="l" defTabSz="914400" rtl="0" eaLnBrk="1" latinLnBrk="0" hangingPunct="1">
+              <a:lnSpc>
+                <a:spcPct val="90000"/>
+              </a:lnSpc>
+              <a:spcBef>
+                <a:spcPts val="500"/>
+              </a:spcBef>
+              <a:buClr>
+                <a:srgbClr val="A01441"/>
+              </a:buClr>
+              <a:buFont typeface="Arial" panose="020B0604020202020204" pitchFamily="34" charset="0"/>
+              <a:buChar char="•"/>
+              <a:defRPr sz="1800" kern="1200">
+                <a:solidFill>
+                  <a:schemeClr val="tx1"/>
+                </a:solidFill>
+                <a:latin typeface="+mn-lt"/>
+                <a:ea typeface="+mn-ea"/>
+                <a:cs typeface="+mn-cs"/>
+              </a:defRPr>
+            </a:lvl2pPr>
+            <a:lvl3pPr marL="540000" indent="-144000" algn="l" defTabSz="914400" rtl="0" eaLnBrk="1" latinLnBrk="0" hangingPunct="1">
+              <a:lnSpc>
+                <a:spcPct val="90000"/>
+              </a:lnSpc>
+              <a:spcBef>
+                <a:spcPts val="500"/>
+              </a:spcBef>
+              <a:buClr>
+                <a:srgbClr val="A01441"/>
+              </a:buClr>
+              <a:buFont typeface="Arial" panose="020B0604020202020204" pitchFamily="34" charset="0"/>
+              <a:buChar char="•"/>
+              <a:defRPr sz="1400" kern="1200">
+                <a:solidFill>
+                  <a:schemeClr val="tx1"/>
+                </a:solidFill>
+                <a:latin typeface="+mn-lt"/>
+                <a:ea typeface="+mn-ea"/>
+                <a:cs typeface="+mn-cs"/>
+              </a:defRPr>
+            </a:lvl3pPr>
+            <a:lvl4pPr marL="900000" indent="-144000" algn="l" defTabSz="914400" rtl="0" eaLnBrk="1" latinLnBrk="0" hangingPunct="1">
+              <a:lnSpc>
+                <a:spcPct val="90000"/>
+              </a:lnSpc>
+              <a:spcBef>
+                <a:spcPts val="500"/>
+              </a:spcBef>
+              <a:buClr>
+                <a:srgbClr val="A01441"/>
+              </a:buClr>
+              <a:buFont typeface="Arial" panose="020B0604020202020204" pitchFamily="34" charset="0"/>
+              <a:buChar char="•"/>
+              <a:defRPr sz="1200" kern="1200">
+                <a:solidFill>
+                  <a:schemeClr val="tx1"/>
+                </a:solidFill>
+                <a:latin typeface="+mn-lt"/>
+                <a:ea typeface="+mn-ea"/>
+                <a:cs typeface="+mn-cs"/>
+              </a:defRPr>
+            </a:lvl4pPr>
+            <a:lvl5pPr marL="1260000" indent="-144000" algn="l" defTabSz="914400" rtl="0" eaLnBrk="1" latinLnBrk="0" hangingPunct="1">
+              <a:lnSpc>
+                <a:spcPct val="90000"/>
+              </a:lnSpc>
+              <a:spcBef>
+                <a:spcPts val="500"/>
+              </a:spcBef>
+              <a:buClr>
+                <a:srgbClr val="A01441"/>
+              </a:buClr>
+              <a:buFont typeface="Arial" panose="020B0604020202020204" pitchFamily="34" charset="0"/>
+              <a:buChar char="•"/>
+              <a:defRPr sz="1000" kern="1200">
+                <a:solidFill>
+                  <a:schemeClr val="tx1"/>
+                </a:solidFill>
+                <a:latin typeface="+mn-lt"/>
+                <a:ea typeface="+mn-ea"/>
+                <a:cs typeface="+mn-cs"/>
+              </a:defRPr>
+            </a:lvl5pPr>
+            <a:lvl6pPr marL="1260000" indent="-144000" algn="l" defTabSz="914400" rtl="0" eaLnBrk="1" latinLnBrk="0" hangingPunct="1">
+              <a:lnSpc>
+                <a:spcPct val="90000"/>
+              </a:lnSpc>
+              <a:spcBef>
+                <a:spcPts val="500"/>
+              </a:spcBef>
+              <a:buClr>
+                <a:srgbClr val="A01441"/>
+              </a:buClr>
+              <a:buFont typeface="Arial" panose="020B0604020202020204" pitchFamily="34" charset="0"/>
+              <a:buChar char="•"/>
+              <a:defRPr sz="1000" kern="1200">
+                <a:solidFill>
+                  <a:schemeClr val="tx1"/>
+                </a:solidFill>
+                <a:latin typeface="+mn-lt"/>
+                <a:ea typeface="+mn-ea"/>
+                <a:cs typeface="+mn-cs"/>
+              </a:defRPr>
+            </a:lvl6pPr>
+            <a:lvl7pPr marL="1260000" indent="-144000" algn="l" defTabSz="914400" rtl="0" eaLnBrk="1" latinLnBrk="0" hangingPunct="1">
+              <a:lnSpc>
+                <a:spcPct val="90000"/>
+              </a:lnSpc>
+              <a:spcBef>
+                <a:spcPts val="500"/>
+              </a:spcBef>
+              <a:buClr>
+                <a:srgbClr val="A01441"/>
+              </a:buClr>
+              <a:buFont typeface="Arial" panose="020B0604020202020204" pitchFamily="34" charset="0"/>
+              <a:buChar char="•"/>
+              <a:defRPr sz="1000" kern="1200">
+                <a:solidFill>
+                  <a:schemeClr val="tx1"/>
+                </a:solidFill>
+                <a:latin typeface="+mn-lt"/>
+                <a:ea typeface="+mn-ea"/>
+                <a:cs typeface="+mn-cs"/>
+              </a:defRPr>
+            </a:lvl7pPr>
+            <a:lvl8pPr marL="1260000" indent="-144000" algn="l" defTabSz="914400" rtl="0" eaLnBrk="1" latinLnBrk="0" hangingPunct="1">
+              <a:lnSpc>
+                <a:spcPct val="90000"/>
+              </a:lnSpc>
+              <a:spcBef>
+                <a:spcPts val="500"/>
+              </a:spcBef>
+              <a:buClr>
+                <a:srgbClr val="A01441"/>
+              </a:buClr>
+              <a:buFont typeface="Arial" panose="020B0604020202020204" pitchFamily="34" charset="0"/>
+              <a:buChar char="•"/>
+              <a:defRPr sz="1000" kern="1200">
+                <a:solidFill>
+                  <a:schemeClr val="tx1"/>
+                </a:solidFill>
+                <a:latin typeface="+mn-lt"/>
+                <a:ea typeface="+mn-ea"/>
+                <a:cs typeface="+mn-cs"/>
+              </a:defRPr>
+            </a:lvl8pPr>
+            <a:lvl9pPr marL="1260000" indent="-144000" algn="l" defTabSz="914400" rtl="0" eaLnBrk="1" latinLnBrk="0" hangingPunct="1">
+              <a:lnSpc>
+                <a:spcPct val="90000"/>
+              </a:lnSpc>
+              <a:spcBef>
+                <a:spcPts val="500"/>
+              </a:spcBef>
+              <a:buClr>
+                <a:srgbClr val="A01441"/>
+              </a:buClr>
+              <a:buFont typeface="Arial" panose="020B0604020202020204" pitchFamily="34" charset="0"/>
+              <a:buChar char="•"/>
+              <a:defRPr sz="1000" kern="1200">
+                <a:solidFill>
+                  <a:schemeClr val="tx1"/>
+                </a:solidFill>
+                <a:latin typeface="+mn-lt"/>
+                <a:ea typeface="+mn-ea"/>
+                <a:cs typeface="+mn-cs"/>
+              </a:defRPr>
+            </a:lvl9pPr>
+          </a:lstStyle>
+          <a:p>
+            <a:pPr algn="ctr"/>
+            <a:r>
+              <a:rPr lang="de-DE" sz="1600" dirty="0" err="1">
+                <a:solidFill>
+                  <a:schemeClr val="accent1"/>
+                </a:solidFill>
+              </a:rPr>
+              <a:t>Originality</a:t>
+            </a:r>
+            <a:endParaRPr lang="de-DE" sz="1200" dirty="0">
+              <a:solidFill>
+                <a:schemeClr val="accent1"/>
+              </a:solidFill>
+            </a:endParaRPr>
+          </a:p>
+        </p:txBody>
+      </p:sp>
+      <p:sp>
+        <p:nvSpPr>
+          <p:cNvPr id="27" name="Textplatzhalter 2">
+            <a:extLst>
+              <a:ext uri="{FF2B5EF4-FFF2-40B4-BE49-F238E27FC236}">
+                <a16:creationId xmlns:a16="http://schemas.microsoft.com/office/drawing/2014/main" id="{BA786193-22BE-4715-94F4-A7552E06F893}"/>
+              </a:ext>
+            </a:extLst>
+          </p:cNvPr>
+          <p:cNvSpPr txBox="1">
+            <a:spLocks/>
+          </p:cNvSpPr>
+          <p:nvPr/>
+        </p:nvSpPr>
+        <p:spPr>
+          <a:xfrm>
+            <a:off x="6339576" y="3976641"/>
+            <a:ext cx="5011048" cy="2074968"/>
+          </a:xfrm>
+          <a:prstGeom prst="rect">
+            <a:avLst/>
+          </a:prstGeom>
+          <a:solidFill>
+            <a:schemeClr val="bg1">
+              <a:lumMod val="95000"/>
+            </a:schemeClr>
+          </a:solidFill>
+        </p:spPr>
+        <p:txBody>
+          <a:bodyPr vert="horz" lIns="108000" tIns="108000" rIns="0" bIns="0" rtlCol="0" anchor="ctr">
+            <a:noAutofit/>
+          </a:bodyPr>
+          <a:lstStyle>
+            <a:lvl1pPr marL="0" indent="0" algn="l" defTabSz="914400" rtl="0" eaLnBrk="1" latinLnBrk="0" hangingPunct="1">
+              <a:lnSpc>
+                <a:spcPct val="110000"/>
+              </a:lnSpc>
+              <a:spcBef>
+                <a:spcPts val="0"/>
+              </a:spcBef>
+              <a:buClr>
+                <a:schemeClr val="accent1"/>
+              </a:buClr>
+              <a:buFontTx/>
+              <a:buNone/>
+              <a:defRPr sz="1800" kern="1200">
+                <a:solidFill>
+                  <a:schemeClr val="tx1"/>
+                </a:solidFill>
+                <a:latin typeface="+mn-lt"/>
+                <a:ea typeface="+mn-ea"/>
+                <a:cs typeface="+mn-cs"/>
+              </a:defRPr>
+            </a:lvl1pPr>
+            <a:lvl2pPr marL="144000" indent="-144000" algn="l" defTabSz="914400" rtl="0" eaLnBrk="1" latinLnBrk="0" hangingPunct="1">
+              <a:lnSpc>
+                <a:spcPct val="110000"/>
+              </a:lnSpc>
+              <a:spcBef>
+                <a:spcPts val="0"/>
+              </a:spcBef>
+              <a:buClr>
+                <a:schemeClr val="accent1"/>
+              </a:buClr>
+              <a:buFont typeface="Arial" panose="020B0604020202020204" pitchFamily="34" charset="0"/>
+              <a:buChar char="•"/>
+              <a:defRPr sz="1800" kern="1200">
+                <a:solidFill>
+                  <a:schemeClr val="tx1"/>
+                </a:solidFill>
+                <a:latin typeface="+mn-lt"/>
+                <a:ea typeface="+mn-ea"/>
+                <a:cs typeface="+mn-cs"/>
+              </a:defRPr>
+            </a:lvl2pPr>
+            <a:lvl3pPr marL="540000" indent="-144000" algn="l" defTabSz="914400" rtl="0" eaLnBrk="1" latinLnBrk="0" hangingPunct="1">
+              <a:lnSpc>
+                <a:spcPct val="110000"/>
+              </a:lnSpc>
+              <a:spcBef>
+                <a:spcPts val="0"/>
+              </a:spcBef>
+              <a:buClr>
+                <a:schemeClr val="accent1"/>
+              </a:buClr>
+              <a:buFont typeface="Arial" panose="020B0604020202020204" pitchFamily="34" charset="0"/>
+              <a:buChar char="•"/>
+              <a:defRPr sz="1400" kern="1200">
+                <a:solidFill>
+                  <a:schemeClr val="tx1"/>
+                </a:solidFill>
+                <a:latin typeface="+mn-lt"/>
+                <a:ea typeface="+mn-ea"/>
+                <a:cs typeface="+mn-cs"/>
+              </a:defRPr>
+            </a:lvl3pPr>
+            <a:lvl4pPr marL="900000" indent="-144000" algn="l" defTabSz="914400" rtl="0" eaLnBrk="1" latinLnBrk="0" hangingPunct="1">
+              <a:lnSpc>
+                <a:spcPct val="110000"/>
+              </a:lnSpc>
+              <a:spcBef>
+                <a:spcPts val="0"/>
+              </a:spcBef>
+              <a:buClr>
+                <a:schemeClr val="accent1"/>
+              </a:buClr>
+              <a:buFont typeface="Arial" panose="020B0604020202020204" pitchFamily="34" charset="0"/>
+              <a:buChar char="•"/>
+              <a:defRPr sz="1200" kern="1200">
+                <a:solidFill>
+                  <a:schemeClr val="tx1"/>
+                </a:solidFill>
+                <a:latin typeface="+mn-lt"/>
+                <a:ea typeface="+mn-ea"/>
+                <a:cs typeface="+mn-cs"/>
+              </a:defRPr>
+            </a:lvl4pPr>
+            <a:lvl5pPr marL="1260000" indent="-144000" algn="l" defTabSz="914400" rtl="0" eaLnBrk="1" latinLnBrk="0" hangingPunct="1">
+              <a:lnSpc>
+                <a:spcPct val="110000"/>
+              </a:lnSpc>
+              <a:spcBef>
+                <a:spcPts val="0"/>
+              </a:spcBef>
+              <a:buClr>
+                <a:schemeClr val="accent1"/>
+              </a:buClr>
+              <a:buFont typeface="Arial" panose="020B0604020202020204" pitchFamily="34" charset="0"/>
+              <a:buChar char="•"/>
+              <a:defRPr sz="1000" kern="1200">
+                <a:solidFill>
+                  <a:schemeClr val="tx1"/>
+                </a:solidFill>
+                <a:latin typeface="+mn-lt"/>
+                <a:ea typeface="+mn-ea"/>
+                <a:cs typeface="+mn-cs"/>
+              </a:defRPr>
+            </a:lvl5pPr>
+            <a:lvl6pPr marL="1260000" indent="-144000" algn="l" defTabSz="914400" rtl="0" eaLnBrk="1" latinLnBrk="0" hangingPunct="1">
+              <a:lnSpc>
+                <a:spcPct val="110000"/>
+              </a:lnSpc>
+              <a:spcBef>
+                <a:spcPts val="0"/>
+              </a:spcBef>
+              <a:buClr>
+                <a:schemeClr val="accent1"/>
+              </a:buClr>
+              <a:buFont typeface="Arial" panose="020B0604020202020204" pitchFamily="34" charset="0"/>
+              <a:buChar char="•"/>
+              <a:defRPr sz="1000" kern="1200">
+                <a:solidFill>
+                  <a:schemeClr val="tx1"/>
+                </a:solidFill>
+                <a:latin typeface="+mn-lt"/>
+                <a:ea typeface="+mn-ea"/>
+                <a:cs typeface="+mn-cs"/>
+              </a:defRPr>
+            </a:lvl6pPr>
+            <a:lvl7pPr marL="1260000" indent="-144000" algn="l" defTabSz="914400" rtl="0" eaLnBrk="1" latinLnBrk="0" hangingPunct="1">
+              <a:lnSpc>
+                <a:spcPct val="110000"/>
+              </a:lnSpc>
+              <a:spcBef>
+                <a:spcPts val="0"/>
+              </a:spcBef>
+              <a:buClr>
+                <a:schemeClr val="accent1"/>
+              </a:buClr>
+              <a:buFont typeface="Arial" panose="020B0604020202020204" pitchFamily="34" charset="0"/>
+              <a:buChar char="•"/>
+              <a:defRPr sz="1000" kern="1200">
+                <a:solidFill>
+                  <a:schemeClr val="tx1"/>
+                </a:solidFill>
+                <a:latin typeface="+mn-lt"/>
+                <a:ea typeface="+mn-ea"/>
+                <a:cs typeface="+mn-cs"/>
+              </a:defRPr>
+            </a:lvl7pPr>
+            <a:lvl8pPr marL="1260000" indent="-144000" algn="l" defTabSz="914400" rtl="0" eaLnBrk="1" latinLnBrk="0" hangingPunct="1">
+              <a:lnSpc>
+                <a:spcPct val="110000"/>
+              </a:lnSpc>
+              <a:spcBef>
+                <a:spcPts val="0"/>
+              </a:spcBef>
+              <a:buClr>
+                <a:schemeClr val="accent1"/>
+              </a:buClr>
+              <a:buFont typeface="Arial" panose="020B0604020202020204" pitchFamily="34" charset="0"/>
+              <a:buChar char="•"/>
+              <a:defRPr sz="1000" kern="1200">
+                <a:solidFill>
+                  <a:schemeClr val="tx1"/>
+                </a:solidFill>
+                <a:latin typeface="+mn-lt"/>
+                <a:ea typeface="+mn-ea"/>
+                <a:cs typeface="+mn-cs"/>
+              </a:defRPr>
+            </a:lvl8pPr>
+            <a:lvl9pPr marL="1260000" indent="-144000" algn="l" defTabSz="914400" rtl="0" eaLnBrk="1" latinLnBrk="0" hangingPunct="1">
+              <a:lnSpc>
+                <a:spcPct val="110000"/>
+              </a:lnSpc>
+              <a:spcBef>
+                <a:spcPts val="0"/>
+              </a:spcBef>
+              <a:buClr>
+                <a:schemeClr val="accent1"/>
+              </a:buClr>
+              <a:buFont typeface="Arial" panose="020B0604020202020204" pitchFamily="34" charset="0"/>
+              <a:buChar char="•"/>
+              <a:defRPr sz="1000" kern="1200">
+                <a:solidFill>
+                  <a:schemeClr val="tx1"/>
+                </a:solidFill>
+                <a:latin typeface="+mn-lt"/>
+                <a:ea typeface="+mn-ea"/>
+                <a:cs typeface="+mn-cs"/>
+              </a:defRPr>
+            </a:lvl9pPr>
+          </a:lstStyle>
+          <a:p>
+            <a:pPr algn="ctr"/>
+            <a:r>
+              <a:rPr lang="de-DE" sz="8000" b="1" err="1">
+                <a:solidFill>
+                  <a:schemeClr val="bg1"/>
+                </a:solidFill>
+              </a:rPr>
+              <a:t>Now</a:t>
+            </a:r>
+            <a:r>
+              <a:rPr lang="de-DE" sz="8000" b="1">
+                <a:solidFill>
+                  <a:schemeClr val="bg1"/>
+                </a:solidFill>
+              </a:rPr>
+              <a:t>!</a:t>
+            </a:r>
+          </a:p>
+        </p:txBody>
+      </p:sp>
+      <p:sp>
+        <p:nvSpPr>
+          <p:cNvPr id="28" name="Textplatzhalter 2">
+            <a:extLst>
+              <a:ext uri="{FF2B5EF4-FFF2-40B4-BE49-F238E27FC236}">
+                <a16:creationId xmlns:a16="http://schemas.microsoft.com/office/drawing/2014/main" id="{CEFB6F16-E4CE-4222-8854-C14DEF90C4EA}"/>
+              </a:ext>
+            </a:extLst>
+          </p:cNvPr>
+          <p:cNvSpPr txBox="1">
+            <a:spLocks/>
+          </p:cNvSpPr>
+          <p:nvPr/>
+        </p:nvSpPr>
+        <p:spPr>
+          <a:xfrm>
+            <a:off x="841375" y="3976641"/>
+            <a:ext cx="5415097" cy="2074968"/>
+          </a:xfrm>
+          <a:prstGeom prst="rect">
+            <a:avLst/>
+          </a:prstGeom>
+          <a:solidFill>
+            <a:schemeClr val="bg1">
+              <a:lumMod val="95000"/>
+            </a:schemeClr>
+          </a:solidFill>
+        </p:spPr>
+        <p:txBody>
+          <a:bodyPr vert="horz" lIns="108000" tIns="108000" rIns="0" bIns="0" rtlCol="0" anchor="ctr">
+            <a:noAutofit/>
+          </a:bodyPr>
+          <a:lstStyle>
+            <a:lvl1pPr marL="0" indent="0" algn="l" defTabSz="914400" rtl="0" eaLnBrk="1" latinLnBrk="0" hangingPunct="1">
+              <a:lnSpc>
+                <a:spcPct val="110000"/>
+              </a:lnSpc>
+              <a:spcBef>
+                <a:spcPts val="0"/>
+              </a:spcBef>
+              <a:buClr>
+                <a:schemeClr val="accent1"/>
+              </a:buClr>
+              <a:buFontTx/>
+              <a:buNone/>
+              <a:defRPr sz="1800" kern="1200">
+                <a:solidFill>
+                  <a:schemeClr val="tx1"/>
+                </a:solidFill>
+                <a:latin typeface="+mn-lt"/>
+                <a:ea typeface="+mn-ea"/>
+                <a:cs typeface="+mn-cs"/>
+              </a:defRPr>
+            </a:lvl1pPr>
+            <a:lvl2pPr marL="144000" indent="-144000" algn="l" defTabSz="914400" rtl="0" eaLnBrk="1" latinLnBrk="0" hangingPunct="1">
+              <a:lnSpc>
+                <a:spcPct val="110000"/>
+              </a:lnSpc>
+              <a:spcBef>
+                <a:spcPts val="0"/>
+              </a:spcBef>
+              <a:buClr>
+                <a:schemeClr val="accent1"/>
+              </a:buClr>
+              <a:buFont typeface="Arial" panose="020B0604020202020204" pitchFamily="34" charset="0"/>
+              <a:buChar char="•"/>
+              <a:defRPr sz="1800" kern="1200">
+                <a:solidFill>
+                  <a:schemeClr val="tx1"/>
+                </a:solidFill>
+                <a:latin typeface="+mn-lt"/>
+                <a:ea typeface="+mn-ea"/>
+                <a:cs typeface="+mn-cs"/>
+              </a:defRPr>
+            </a:lvl2pPr>
+            <a:lvl3pPr marL="540000" indent="-144000" algn="l" defTabSz="914400" rtl="0" eaLnBrk="1" latinLnBrk="0" hangingPunct="1">
+              <a:lnSpc>
+                <a:spcPct val="110000"/>
+              </a:lnSpc>
+              <a:spcBef>
+                <a:spcPts val="0"/>
+              </a:spcBef>
+              <a:buClr>
+                <a:schemeClr val="accent1"/>
+              </a:buClr>
+              <a:buFont typeface="Arial" panose="020B0604020202020204" pitchFamily="34" charset="0"/>
+              <a:buChar char="•"/>
+              <a:defRPr sz="1400" kern="1200">
+                <a:solidFill>
+                  <a:schemeClr val="tx1"/>
+                </a:solidFill>
+                <a:latin typeface="+mn-lt"/>
+                <a:ea typeface="+mn-ea"/>
+                <a:cs typeface="+mn-cs"/>
+              </a:defRPr>
+            </a:lvl3pPr>
+            <a:lvl4pPr marL="900000" indent="-144000" algn="l" defTabSz="914400" rtl="0" eaLnBrk="1" latinLnBrk="0" hangingPunct="1">
+              <a:lnSpc>
+                <a:spcPct val="110000"/>
+              </a:lnSpc>
+              <a:spcBef>
+                <a:spcPts val="0"/>
+              </a:spcBef>
+              <a:buClr>
+                <a:schemeClr val="accent1"/>
+              </a:buClr>
+              <a:buFont typeface="Arial" panose="020B0604020202020204" pitchFamily="34" charset="0"/>
+              <a:buChar char="•"/>
+              <a:defRPr sz="1200" kern="1200">
+                <a:solidFill>
+                  <a:schemeClr val="tx1"/>
+                </a:solidFill>
+                <a:latin typeface="+mn-lt"/>
+                <a:ea typeface="+mn-ea"/>
+                <a:cs typeface="+mn-cs"/>
+              </a:defRPr>
+            </a:lvl4pPr>
+            <a:lvl5pPr marL="1260000" indent="-144000" algn="l" defTabSz="914400" rtl="0" eaLnBrk="1" latinLnBrk="0" hangingPunct="1">
+              <a:lnSpc>
+                <a:spcPct val="110000"/>
+              </a:lnSpc>
+              <a:spcBef>
+                <a:spcPts val="0"/>
+              </a:spcBef>
+              <a:buClr>
+                <a:schemeClr val="accent1"/>
+              </a:buClr>
+              <a:buFont typeface="Arial" panose="020B0604020202020204" pitchFamily="34" charset="0"/>
+              <a:buChar char="•"/>
+              <a:defRPr sz="1000" kern="1200">
+                <a:solidFill>
+                  <a:schemeClr val="tx1"/>
+                </a:solidFill>
+                <a:latin typeface="+mn-lt"/>
+                <a:ea typeface="+mn-ea"/>
+                <a:cs typeface="+mn-cs"/>
+              </a:defRPr>
+            </a:lvl5pPr>
+            <a:lvl6pPr marL="1260000" indent="-144000" algn="l" defTabSz="914400" rtl="0" eaLnBrk="1" latinLnBrk="0" hangingPunct="1">
+              <a:lnSpc>
+                <a:spcPct val="110000"/>
+              </a:lnSpc>
+              <a:spcBef>
+                <a:spcPts val="0"/>
+              </a:spcBef>
+              <a:buClr>
+                <a:schemeClr val="accent1"/>
+              </a:buClr>
+              <a:buFont typeface="Arial" panose="020B0604020202020204" pitchFamily="34" charset="0"/>
+              <a:buChar char="•"/>
+              <a:defRPr sz="1000" kern="1200">
+                <a:solidFill>
+                  <a:schemeClr val="tx1"/>
+                </a:solidFill>
+                <a:latin typeface="+mn-lt"/>
+                <a:ea typeface="+mn-ea"/>
+                <a:cs typeface="+mn-cs"/>
+              </a:defRPr>
+            </a:lvl6pPr>
+            <a:lvl7pPr marL="1260000" indent="-144000" algn="l" defTabSz="914400" rtl="0" eaLnBrk="1" latinLnBrk="0" hangingPunct="1">
+              <a:lnSpc>
+                <a:spcPct val="110000"/>
+              </a:lnSpc>
+              <a:spcBef>
+                <a:spcPts val="0"/>
+              </a:spcBef>
+              <a:buClr>
+                <a:schemeClr val="accent1"/>
+              </a:buClr>
+              <a:buFont typeface="Arial" panose="020B0604020202020204" pitchFamily="34" charset="0"/>
+              <a:buChar char="•"/>
+              <a:defRPr sz="1000" kern="1200">
+                <a:solidFill>
+                  <a:schemeClr val="tx1"/>
+                </a:solidFill>
+                <a:latin typeface="+mn-lt"/>
+                <a:ea typeface="+mn-ea"/>
+                <a:cs typeface="+mn-cs"/>
+              </a:defRPr>
+            </a:lvl7pPr>
+            <a:lvl8pPr marL="1260000" indent="-144000" algn="l" defTabSz="914400" rtl="0" eaLnBrk="1" latinLnBrk="0" hangingPunct="1">
+              <a:lnSpc>
+                <a:spcPct val="110000"/>
+              </a:lnSpc>
+              <a:spcBef>
+                <a:spcPts val="0"/>
+              </a:spcBef>
+              <a:buClr>
+                <a:schemeClr val="accent1"/>
+              </a:buClr>
+              <a:buFont typeface="Arial" panose="020B0604020202020204" pitchFamily="34" charset="0"/>
+              <a:buChar char="•"/>
+              <a:defRPr sz="1000" kern="1200">
+                <a:solidFill>
+                  <a:schemeClr val="tx1"/>
+                </a:solidFill>
+                <a:latin typeface="+mn-lt"/>
+                <a:ea typeface="+mn-ea"/>
+                <a:cs typeface="+mn-cs"/>
+              </a:defRPr>
+            </a:lvl8pPr>
+            <a:lvl9pPr marL="1260000" indent="-144000" algn="l" defTabSz="914400" rtl="0" eaLnBrk="1" latinLnBrk="0" hangingPunct="1">
+              <a:lnSpc>
+                <a:spcPct val="110000"/>
+              </a:lnSpc>
+              <a:spcBef>
+                <a:spcPts val="0"/>
+              </a:spcBef>
+              <a:buClr>
+                <a:schemeClr val="accent1"/>
+              </a:buClr>
+              <a:buFont typeface="Arial" panose="020B0604020202020204" pitchFamily="34" charset="0"/>
+              <a:buChar char="•"/>
+              <a:defRPr sz="1000" kern="1200">
+                <a:solidFill>
+                  <a:schemeClr val="tx1"/>
+                </a:solidFill>
+                <a:latin typeface="+mn-lt"/>
+                <a:ea typeface="+mn-ea"/>
+                <a:cs typeface="+mn-cs"/>
+              </a:defRPr>
+            </a:lvl9pPr>
+          </a:lstStyle>
+          <a:p>
+            <a:pPr algn="ctr"/>
+            <a:r>
+              <a:rPr lang="de-DE" sz="8000" b="1">
+                <a:solidFill>
+                  <a:schemeClr val="bg1"/>
+                </a:solidFill>
+              </a:rPr>
+              <a:t> </a:t>
+            </a:r>
+          </a:p>
+        </p:txBody>
+      </p:sp>
+      <p:sp>
+        <p:nvSpPr>
+          <p:cNvPr id="14" name="Textplatzhalter 2">
+            <a:extLst>
+              <a:ext uri="{FF2B5EF4-FFF2-40B4-BE49-F238E27FC236}">
+                <a16:creationId xmlns:a16="http://schemas.microsoft.com/office/drawing/2014/main" id="{B8A92D41-DB67-D345-A4BB-7DC6A1EEB644}"/>
+              </a:ext>
+            </a:extLst>
+          </p:cNvPr>
+          <p:cNvSpPr txBox="1">
+            <a:spLocks/>
+          </p:cNvSpPr>
+          <p:nvPr/>
+        </p:nvSpPr>
+        <p:spPr>
+          <a:xfrm>
+            <a:off x="6339576" y="1846262"/>
+            <a:ext cx="5012637" cy="2074968"/>
+          </a:xfrm>
+          <a:prstGeom prst="rect">
+            <a:avLst/>
+          </a:prstGeom>
+          <a:solidFill>
+            <a:schemeClr val="bg1">
+              <a:lumMod val="95000"/>
+            </a:schemeClr>
+          </a:solidFill>
+        </p:spPr>
+        <p:txBody>
+          <a:bodyPr vert="horz" lIns="108000" tIns="108000" rIns="0" bIns="0" rtlCol="0" anchor="ctr">
+            <a:noAutofit/>
+          </a:bodyPr>
+          <a:lstStyle>
+            <a:lvl1pPr marL="0" indent="0" algn="l" defTabSz="914400" rtl="0" eaLnBrk="1" latinLnBrk="0" hangingPunct="1">
+              <a:lnSpc>
+                <a:spcPct val="110000"/>
+              </a:lnSpc>
+              <a:spcBef>
+                <a:spcPts val="0"/>
+              </a:spcBef>
+              <a:buClr>
+                <a:schemeClr val="accent1"/>
+              </a:buClr>
+              <a:buFontTx/>
+              <a:buNone/>
+              <a:defRPr sz="1800" kern="1200">
+                <a:solidFill>
+                  <a:schemeClr val="tx1"/>
+                </a:solidFill>
+                <a:latin typeface="+mn-lt"/>
+                <a:ea typeface="+mn-ea"/>
+                <a:cs typeface="+mn-cs"/>
+              </a:defRPr>
+            </a:lvl1pPr>
+            <a:lvl2pPr marL="144000" indent="-144000" algn="l" defTabSz="914400" rtl="0" eaLnBrk="1" latinLnBrk="0" hangingPunct="1">
+              <a:lnSpc>
+                <a:spcPct val="110000"/>
+              </a:lnSpc>
+              <a:spcBef>
+                <a:spcPts val="0"/>
+              </a:spcBef>
+              <a:buClr>
+                <a:schemeClr val="accent1"/>
+              </a:buClr>
+              <a:buFont typeface="Arial" panose="020B0604020202020204" pitchFamily="34" charset="0"/>
+              <a:buChar char="•"/>
+              <a:defRPr sz="1800" kern="1200">
+                <a:solidFill>
+                  <a:schemeClr val="tx1"/>
+                </a:solidFill>
+                <a:latin typeface="+mn-lt"/>
+                <a:ea typeface="+mn-ea"/>
+                <a:cs typeface="+mn-cs"/>
+              </a:defRPr>
+            </a:lvl2pPr>
+            <a:lvl3pPr marL="540000" indent="-144000" algn="l" defTabSz="914400" rtl="0" eaLnBrk="1" latinLnBrk="0" hangingPunct="1">
+              <a:lnSpc>
+                <a:spcPct val="110000"/>
+              </a:lnSpc>
+              <a:spcBef>
+                <a:spcPts val="0"/>
+              </a:spcBef>
+              <a:buClr>
+                <a:schemeClr val="accent1"/>
+              </a:buClr>
+              <a:buFont typeface="Arial" panose="020B0604020202020204" pitchFamily="34" charset="0"/>
+              <a:buChar char="•"/>
+              <a:defRPr sz="1400" kern="1200">
+                <a:solidFill>
+                  <a:schemeClr val="tx1"/>
+                </a:solidFill>
+                <a:latin typeface="+mn-lt"/>
+                <a:ea typeface="+mn-ea"/>
+                <a:cs typeface="+mn-cs"/>
+              </a:defRPr>
+            </a:lvl3pPr>
+            <a:lvl4pPr marL="900000" indent="-144000" algn="l" defTabSz="914400" rtl="0" eaLnBrk="1" latinLnBrk="0" hangingPunct="1">
+              <a:lnSpc>
+                <a:spcPct val="110000"/>
+              </a:lnSpc>
+              <a:spcBef>
+                <a:spcPts val="0"/>
+              </a:spcBef>
+              <a:buClr>
+                <a:schemeClr val="accent1"/>
+              </a:buClr>
+              <a:buFont typeface="Arial" panose="020B0604020202020204" pitchFamily="34" charset="0"/>
+              <a:buChar char="•"/>
+              <a:defRPr sz="1200" kern="1200">
+                <a:solidFill>
+                  <a:schemeClr val="tx1"/>
+                </a:solidFill>
+                <a:latin typeface="+mn-lt"/>
+                <a:ea typeface="+mn-ea"/>
+                <a:cs typeface="+mn-cs"/>
+              </a:defRPr>
+            </a:lvl4pPr>
+            <a:lvl5pPr marL="1260000" indent="-144000" algn="l" defTabSz="914400" rtl="0" eaLnBrk="1" latinLnBrk="0" hangingPunct="1">
+              <a:lnSpc>
+                <a:spcPct val="110000"/>
+              </a:lnSpc>
+              <a:spcBef>
+                <a:spcPts val="0"/>
+              </a:spcBef>
+              <a:buClr>
+                <a:schemeClr val="accent1"/>
+              </a:buClr>
+              <a:buFont typeface="Arial" panose="020B0604020202020204" pitchFamily="34" charset="0"/>
+              <a:buChar char="•"/>
+              <a:defRPr sz="1000" kern="1200">
+                <a:solidFill>
+                  <a:schemeClr val="tx1"/>
+                </a:solidFill>
+                <a:latin typeface="+mn-lt"/>
+                <a:ea typeface="+mn-ea"/>
+                <a:cs typeface="+mn-cs"/>
+              </a:defRPr>
+            </a:lvl5pPr>
+            <a:lvl6pPr marL="1260000" indent="-144000" algn="l" defTabSz="914400" rtl="0" eaLnBrk="1" latinLnBrk="0" hangingPunct="1">
+              <a:lnSpc>
+                <a:spcPct val="110000"/>
+              </a:lnSpc>
+              <a:spcBef>
+                <a:spcPts val="0"/>
+              </a:spcBef>
+              <a:buClr>
+                <a:schemeClr val="accent1"/>
+              </a:buClr>
+              <a:buFont typeface="Arial" panose="020B0604020202020204" pitchFamily="34" charset="0"/>
+              <a:buChar char="•"/>
+              <a:defRPr sz="1000" kern="1200">
+                <a:solidFill>
+                  <a:schemeClr val="tx1"/>
+                </a:solidFill>
+                <a:latin typeface="+mn-lt"/>
+                <a:ea typeface="+mn-ea"/>
+                <a:cs typeface="+mn-cs"/>
+              </a:defRPr>
+            </a:lvl6pPr>
+            <a:lvl7pPr marL="1260000" indent="-144000" algn="l" defTabSz="914400" rtl="0" eaLnBrk="1" latinLnBrk="0" hangingPunct="1">
+              <a:lnSpc>
+                <a:spcPct val="110000"/>
+              </a:lnSpc>
+              <a:spcBef>
+                <a:spcPts val="0"/>
+              </a:spcBef>
+              <a:buClr>
+                <a:schemeClr val="accent1"/>
+              </a:buClr>
+              <a:buFont typeface="Arial" panose="020B0604020202020204" pitchFamily="34" charset="0"/>
+              <a:buChar char="•"/>
+              <a:defRPr sz="1000" kern="1200">
+                <a:solidFill>
+                  <a:schemeClr val="tx1"/>
+                </a:solidFill>
+                <a:latin typeface="+mn-lt"/>
+                <a:ea typeface="+mn-ea"/>
+                <a:cs typeface="+mn-cs"/>
+              </a:defRPr>
+            </a:lvl7pPr>
+            <a:lvl8pPr marL="1260000" indent="-144000" algn="l" defTabSz="914400" rtl="0" eaLnBrk="1" latinLnBrk="0" hangingPunct="1">
+              <a:lnSpc>
+                <a:spcPct val="110000"/>
+              </a:lnSpc>
+              <a:spcBef>
+                <a:spcPts val="0"/>
+              </a:spcBef>
+              <a:buClr>
+                <a:schemeClr val="accent1"/>
+              </a:buClr>
+              <a:buFont typeface="Arial" panose="020B0604020202020204" pitchFamily="34" charset="0"/>
+              <a:buChar char="•"/>
+              <a:defRPr sz="1000" kern="1200">
+                <a:solidFill>
+                  <a:schemeClr val="tx1"/>
+                </a:solidFill>
+                <a:latin typeface="+mn-lt"/>
+                <a:ea typeface="+mn-ea"/>
+                <a:cs typeface="+mn-cs"/>
+              </a:defRPr>
+            </a:lvl8pPr>
+            <a:lvl9pPr marL="1260000" indent="-144000" algn="l" defTabSz="914400" rtl="0" eaLnBrk="1" latinLnBrk="0" hangingPunct="1">
+              <a:lnSpc>
+                <a:spcPct val="110000"/>
+              </a:lnSpc>
+              <a:spcBef>
+                <a:spcPts val="0"/>
+              </a:spcBef>
+              <a:buClr>
+                <a:schemeClr val="accent1"/>
+              </a:buClr>
+              <a:buFont typeface="Arial" panose="020B0604020202020204" pitchFamily="34" charset="0"/>
+              <a:buChar char="•"/>
+              <a:defRPr sz="1000" kern="1200">
+                <a:solidFill>
+                  <a:schemeClr val="tx1"/>
+                </a:solidFill>
+                <a:latin typeface="+mn-lt"/>
+                <a:ea typeface="+mn-ea"/>
+                <a:cs typeface="+mn-cs"/>
+              </a:defRPr>
+            </a:lvl9pPr>
+          </a:lstStyle>
+          <a:p>
+            <a:pPr algn="ctr"/>
+            <a:r>
+              <a:rPr lang="de-DE" sz="8000" b="1">
+                <a:solidFill>
+                  <a:schemeClr val="bg1"/>
+                </a:solidFill>
+              </a:rPr>
+              <a:t>Wow!</a:t>
+            </a:r>
+          </a:p>
+        </p:txBody>
+      </p:sp>
+      <p:sp>
+        <p:nvSpPr>
+          <p:cNvPr id="15" name="Textplatzhalter 2">
+            <a:extLst>
+              <a:ext uri="{FF2B5EF4-FFF2-40B4-BE49-F238E27FC236}">
+                <a16:creationId xmlns:a16="http://schemas.microsoft.com/office/drawing/2014/main" id="{B6503286-D0A2-594A-94D9-FAD00543E480}"/>
+              </a:ext>
+            </a:extLst>
+          </p:cNvPr>
+          <p:cNvSpPr txBox="1">
+            <a:spLocks/>
+          </p:cNvSpPr>
+          <p:nvPr/>
+        </p:nvSpPr>
+        <p:spPr>
+          <a:xfrm>
+            <a:off x="841375" y="1846262"/>
+            <a:ext cx="5415094" cy="2074968"/>
+          </a:xfrm>
+          <a:prstGeom prst="rect">
+            <a:avLst/>
+          </a:prstGeom>
+          <a:solidFill>
+            <a:schemeClr val="bg1">
+              <a:lumMod val="95000"/>
+            </a:schemeClr>
+          </a:solidFill>
+        </p:spPr>
+        <p:txBody>
+          <a:bodyPr vert="horz" lIns="108000" tIns="108000" rIns="0" bIns="0" rtlCol="0" anchor="ctr">
+            <a:noAutofit/>
+          </a:bodyPr>
+          <a:lstStyle>
+            <a:lvl1pPr marL="0" indent="0" algn="l" defTabSz="914400" rtl="0" eaLnBrk="1" latinLnBrk="0" hangingPunct="1">
+              <a:lnSpc>
+                <a:spcPct val="110000"/>
+              </a:lnSpc>
+              <a:spcBef>
+                <a:spcPts val="0"/>
+              </a:spcBef>
+              <a:buClr>
+                <a:schemeClr val="accent1"/>
+              </a:buClr>
+              <a:buFontTx/>
+              <a:buNone/>
+              <a:defRPr sz="1800" kern="1200">
+                <a:solidFill>
+                  <a:schemeClr val="tx1"/>
+                </a:solidFill>
+                <a:latin typeface="+mn-lt"/>
+                <a:ea typeface="+mn-ea"/>
+                <a:cs typeface="+mn-cs"/>
+              </a:defRPr>
+            </a:lvl1pPr>
+            <a:lvl2pPr marL="144000" indent="-144000" algn="l" defTabSz="914400" rtl="0" eaLnBrk="1" latinLnBrk="0" hangingPunct="1">
+              <a:lnSpc>
+                <a:spcPct val="110000"/>
+              </a:lnSpc>
+              <a:spcBef>
+                <a:spcPts val="0"/>
+              </a:spcBef>
+              <a:buClr>
+                <a:schemeClr val="accent1"/>
+              </a:buClr>
+              <a:buFont typeface="Arial" panose="020B0604020202020204" pitchFamily="34" charset="0"/>
+              <a:buChar char="•"/>
+              <a:defRPr sz="1800" kern="1200">
+                <a:solidFill>
+                  <a:schemeClr val="tx1"/>
+                </a:solidFill>
+                <a:latin typeface="+mn-lt"/>
+                <a:ea typeface="+mn-ea"/>
+                <a:cs typeface="+mn-cs"/>
+              </a:defRPr>
+            </a:lvl2pPr>
+            <a:lvl3pPr marL="540000" indent="-144000" algn="l" defTabSz="914400" rtl="0" eaLnBrk="1" latinLnBrk="0" hangingPunct="1">
+              <a:lnSpc>
+                <a:spcPct val="110000"/>
+              </a:lnSpc>
+              <a:spcBef>
+                <a:spcPts val="0"/>
+              </a:spcBef>
+              <a:buClr>
+                <a:schemeClr val="accent1"/>
+              </a:buClr>
+              <a:buFont typeface="Arial" panose="020B0604020202020204" pitchFamily="34" charset="0"/>
+              <a:buChar char="•"/>
+              <a:defRPr sz="1400" kern="1200">
+                <a:solidFill>
+                  <a:schemeClr val="tx1"/>
+                </a:solidFill>
+                <a:latin typeface="+mn-lt"/>
+                <a:ea typeface="+mn-ea"/>
+                <a:cs typeface="+mn-cs"/>
+              </a:defRPr>
+            </a:lvl3pPr>
+            <a:lvl4pPr marL="900000" indent="-144000" algn="l" defTabSz="914400" rtl="0" eaLnBrk="1" latinLnBrk="0" hangingPunct="1">
+              <a:lnSpc>
+                <a:spcPct val="110000"/>
+              </a:lnSpc>
+              <a:spcBef>
+                <a:spcPts val="0"/>
+              </a:spcBef>
+              <a:buClr>
+                <a:schemeClr val="accent1"/>
+              </a:buClr>
+              <a:buFont typeface="Arial" panose="020B0604020202020204" pitchFamily="34" charset="0"/>
+              <a:buChar char="•"/>
+              <a:defRPr sz="1200" kern="1200">
+                <a:solidFill>
+                  <a:schemeClr val="tx1"/>
+                </a:solidFill>
+                <a:latin typeface="+mn-lt"/>
+                <a:ea typeface="+mn-ea"/>
+                <a:cs typeface="+mn-cs"/>
+              </a:defRPr>
+            </a:lvl4pPr>
+            <a:lvl5pPr marL="1260000" indent="-144000" algn="l" defTabSz="914400" rtl="0" eaLnBrk="1" latinLnBrk="0" hangingPunct="1">
+              <a:lnSpc>
+                <a:spcPct val="110000"/>
+              </a:lnSpc>
+              <a:spcBef>
+                <a:spcPts val="0"/>
+              </a:spcBef>
+              <a:buClr>
+                <a:schemeClr val="accent1"/>
+              </a:buClr>
+              <a:buFont typeface="Arial" panose="020B0604020202020204" pitchFamily="34" charset="0"/>
+              <a:buChar char="•"/>
+              <a:defRPr sz="1000" kern="1200">
+                <a:solidFill>
+                  <a:schemeClr val="tx1"/>
+                </a:solidFill>
+                <a:latin typeface="+mn-lt"/>
+                <a:ea typeface="+mn-ea"/>
+                <a:cs typeface="+mn-cs"/>
+              </a:defRPr>
+            </a:lvl5pPr>
+            <a:lvl6pPr marL="1260000" indent="-144000" algn="l" defTabSz="914400" rtl="0" eaLnBrk="1" latinLnBrk="0" hangingPunct="1">
+              <a:lnSpc>
+                <a:spcPct val="110000"/>
+              </a:lnSpc>
+              <a:spcBef>
+                <a:spcPts val="0"/>
+              </a:spcBef>
+              <a:buClr>
+                <a:schemeClr val="accent1"/>
+              </a:buClr>
+              <a:buFont typeface="Arial" panose="020B0604020202020204" pitchFamily="34" charset="0"/>
+              <a:buChar char="•"/>
+              <a:defRPr sz="1000" kern="1200">
+                <a:solidFill>
+                  <a:schemeClr val="tx1"/>
+                </a:solidFill>
+                <a:latin typeface="+mn-lt"/>
+                <a:ea typeface="+mn-ea"/>
+                <a:cs typeface="+mn-cs"/>
+              </a:defRPr>
+            </a:lvl6pPr>
+            <a:lvl7pPr marL="1260000" indent="-144000" algn="l" defTabSz="914400" rtl="0" eaLnBrk="1" latinLnBrk="0" hangingPunct="1">
+              <a:lnSpc>
+                <a:spcPct val="110000"/>
+              </a:lnSpc>
+              <a:spcBef>
+                <a:spcPts val="0"/>
+              </a:spcBef>
+              <a:buClr>
+                <a:schemeClr val="accent1"/>
+              </a:buClr>
+              <a:buFont typeface="Arial" panose="020B0604020202020204" pitchFamily="34" charset="0"/>
+              <a:buChar char="•"/>
+              <a:defRPr sz="1000" kern="1200">
+                <a:solidFill>
+                  <a:schemeClr val="tx1"/>
+                </a:solidFill>
+                <a:latin typeface="+mn-lt"/>
+                <a:ea typeface="+mn-ea"/>
+                <a:cs typeface="+mn-cs"/>
+              </a:defRPr>
+            </a:lvl7pPr>
+            <a:lvl8pPr marL="1260000" indent="-144000" algn="l" defTabSz="914400" rtl="0" eaLnBrk="1" latinLnBrk="0" hangingPunct="1">
+              <a:lnSpc>
+                <a:spcPct val="110000"/>
+              </a:lnSpc>
+              <a:spcBef>
+                <a:spcPts val="0"/>
+              </a:spcBef>
+              <a:buClr>
+                <a:schemeClr val="accent1"/>
+              </a:buClr>
+              <a:buFont typeface="Arial" panose="020B0604020202020204" pitchFamily="34" charset="0"/>
+              <a:buChar char="•"/>
+              <a:defRPr sz="1000" kern="1200">
+                <a:solidFill>
+                  <a:schemeClr val="tx1"/>
+                </a:solidFill>
+                <a:latin typeface="+mn-lt"/>
+                <a:ea typeface="+mn-ea"/>
+                <a:cs typeface="+mn-cs"/>
+              </a:defRPr>
+            </a:lvl8pPr>
+            <a:lvl9pPr marL="1260000" indent="-144000" algn="l" defTabSz="914400" rtl="0" eaLnBrk="1" latinLnBrk="0" hangingPunct="1">
+              <a:lnSpc>
+                <a:spcPct val="110000"/>
+              </a:lnSpc>
+              <a:spcBef>
+                <a:spcPts val="0"/>
+              </a:spcBef>
+              <a:buClr>
+                <a:schemeClr val="accent1"/>
+              </a:buClr>
+              <a:buFont typeface="Arial" panose="020B0604020202020204" pitchFamily="34" charset="0"/>
+              <a:buChar char="•"/>
+              <a:defRPr sz="1000" kern="1200">
+                <a:solidFill>
+                  <a:schemeClr val="tx1"/>
+                </a:solidFill>
+                <a:latin typeface="+mn-lt"/>
+                <a:ea typeface="+mn-ea"/>
+                <a:cs typeface="+mn-cs"/>
+              </a:defRPr>
+            </a:lvl9pPr>
+          </a:lstStyle>
+          <a:p>
+            <a:pPr algn="ctr"/>
+            <a:r>
+              <a:rPr lang="de-DE" sz="8000" b="1" err="1">
+                <a:solidFill>
+                  <a:schemeClr val="bg1"/>
+                </a:solidFill>
+              </a:rPr>
+              <a:t>How</a:t>
+            </a:r>
+            <a:r>
+              <a:rPr lang="de-DE" sz="8000" b="1">
+                <a:solidFill>
+                  <a:schemeClr val="bg1"/>
+                </a:solidFill>
+              </a:rPr>
+              <a:t>? </a:t>
+            </a:r>
+          </a:p>
+        </p:txBody>
+      </p:sp>
+      <p:sp>
+        <p:nvSpPr>
+          <p:cNvPr id="16" name="Text Box 20">
+            <a:extLst>
+              <a:ext uri="{FF2B5EF4-FFF2-40B4-BE49-F238E27FC236}">
+                <a16:creationId xmlns:a16="http://schemas.microsoft.com/office/drawing/2014/main" id="{628A1817-F413-F84D-8166-F3FFEC8F1BE2}"/>
+              </a:ext>
+            </a:extLst>
+          </p:cNvPr>
+          <p:cNvSpPr txBox="1">
+            <a:spLocks noChangeArrowheads="1"/>
+          </p:cNvSpPr>
+          <p:nvPr/>
+        </p:nvSpPr>
+        <p:spPr bwMode="auto">
+          <a:xfrm>
+            <a:off x="5521375" y="6142526"/>
+            <a:ext cx="1499486" cy="221599"/>
+          </a:xfrm>
+          <a:prstGeom prst="rect">
+            <a:avLst/>
+          </a:prstGeom>
+          <a:solidFill>
+            <a:schemeClr val="bg1"/>
+          </a:solidFill>
+        </p:spPr>
+        <p:txBody>
+          <a:bodyPr vert="horz" wrap="square" lIns="108000" tIns="0" rIns="108000" bIns="0" rtlCol="0">
+            <a:spAutoFit/>
+          </a:bodyPr>
+          <a:lstStyle>
+            <a:defPPr>
+              <a:defRPr lang="de-DE"/>
+            </a:defPPr>
+            <a:lvl1pPr>
+              <a:lnSpc>
+                <a:spcPct val="90000"/>
+              </a:lnSpc>
+              <a:spcBef>
+                <a:spcPts val="500"/>
+              </a:spcBef>
+              <a:defRPr sz="1200"/>
+            </a:lvl1pPr>
+            <a:lvl2pPr marL="144000" indent="-144000">
+              <a:lnSpc>
+                <a:spcPct val="90000"/>
+              </a:lnSpc>
+              <a:spcBef>
+                <a:spcPts val="500"/>
+              </a:spcBef>
+              <a:buClr>
+                <a:srgbClr val="A01441"/>
+              </a:buClr>
+            </a:lvl2pPr>
+            <a:lvl3pPr indent="-144000">
+              <a:lnSpc>
+                <a:spcPct val="90000"/>
+              </a:lnSpc>
+              <a:spcBef>
+                <a:spcPts val="500"/>
+              </a:spcBef>
+              <a:buClr>
+                <a:srgbClr val="A01441"/>
+              </a:buClr>
+            </a:lvl3pPr>
+            <a:lvl4pPr marL="900000" indent="-144000">
+              <a:lnSpc>
+                <a:spcPct val="90000"/>
+              </a:lnSpc>
+              <a:spcBef>
+                <a:spcPts val="500"/>
+              </a:spcBef>
+              <a:buClr>
+                <a:srgbClr val="A01441"/>
+              </a:buClr>
+              <a:defRPr sz="1200"/>
+            </a:lvl4pPr>
+            <a:lvl5pPr marL="1260000" indent="-144000">
+              <a:lnSpc>
+                <a:spcPct val="90000"/>
+              </a:lnSpc>
+              <a:spcBef>
+                <a:spcPts val="500"/>
+              </a:spcBef>
+              <a:buClr>
+                <a:srgbClr val="A01441"/>
+              </a:buClr>
+              <a:defRPr sz="1000"/>
+            </a:lvl5pPr>
+            <a:lvl6pPr marL="1260000" indent="-144000">
+              <a:lnSpc>
+                <a:spcPct val="90000"/>
+              </a:lnSpc>
+              <a:spcBef>
+                <a:spcPts val="500"/>
+              </a:spcBef>
+              <a:buClr>
+                <a:srgbClr val="A01441"/>
+              </a:buClr>
+              <a:defRPr sz="1000"/>
+            </a:lvl6pPr>
+            <a:lvl7pPr marL="1260000" indent="-144000">
+              <a:lnSpc>
+                <a:spcPct val="90000"/>
+              </a:lnSpc>
+              <a:spcBef>
+                <a:spcPts val="500"/>
+              </a:spcBef>
+              <a:buClr>
+                <a:srgbClr val="A01441"/>
+              </a:buClr>
+              <a:defRPr sz="1000"/>
+            </a:lvl7pPr>
+            <a:lvl8pPr marL="1260000" indent="-144000">
+              <a:lnSpc>
+                <a:spcPct val="90000"/>
+              </a:lnSpc>
+              <a:spcBef>
+                <a:spcPts val="500"/>
+              </a:spcBef>
+              <a:buClr>
+                <a:srgbClr val="A01441"/>
+              </a:buClr>
+              <a:defRPr sz="1000"/>
+            </a:lvl8pPr>
+            <a:lvl9pPr marL="1260000" indent="-144000">
+              <a:lnSpc>
+                <a:spcPct val="90000"/>
+              </a:lnSpc>
+              <a:spcBef>
+                <a:spcPts val="500"/>
+              </a:spcBef>
+              <a:buClr>
+                <a:srgbClr val="A01441"/>
+              </a:buClr>
+              <a:defRPr sz="1000"/>
+            </a:lvl9pPr>
+          </a:lstStyle>
+          <a:p>
+            <a:pPr algn="ctr"/>
+            <a:r>
+              <a:rPr lang="de-DE" sz="1600" dirty="0" err="1">
+                <a:solidFill>
+                  <a:schemeClr val="accent1"/>
+                </a:solidFill>
+              </a:rPr>
+              <a:t>Feasibility</a:t>
+            </a:r>
+            <a:endParaRPr lang="de-DE" dirty="0">
+              <a:solidFill>
+                <a:schemeClr val="accent1"/>
+              </a:solidFill>
+            </a:endParaRPr>
+          </a:p>
+        </p:txBody>
+      </p:sp>
+      <p:graphicFrame>
+        <p:nvGraphicFramePr>
+          <p:cNvPr id="2" name="Tabelle 6">
+            <a:extLst>
+              <a:ext uri="{FF2B5EF4-FFF2-40B4-BE49-F238E27FC236}">
+                <a16:creationId xmlns:a16="http://schemas.microsoft.com/office/drawing/2014/main" id="{F24145ED-1796-4B4A-B169-12AA3158120E}"/>
+              </a:ext>
+            </a:extLst>
+          </p:cNvPr>
+          <p:cNvGraphicFramePr>
+            <a:graphicFrameLocks noGrp="1"/>
+          </p:cNvGraphicFramePr>
+          <p:nvPr/>
+        </p:nvGraphicFramePr>
+        <p:xfrm>
+          <a:off x="839786" y="1846261"/>
+          <a:ext cx="10510810" cy="4213162"/>
+        </p:xfrm>
+        <a:graphic>
+          <a:graphicData uri="http://schemas.openxmlformats.org/drawingml/2006/table">
+            <a:tbl>
+              <a:tblPr firstRow="1" bandRow="1"/>
+              <a:tblGrid>
+                <a:gridCol w="5463578">
+                  <a:extLst>
+                    <a:ext uri="{9D8B030D-6E8A-4147-A177-3AD203B41FA5}">
+                      <a16:colId xmlns:a16="http://schemas.microsoft.com/office/drawing/2014/main" val="2749176401"/>
+                    </a:ext>
+                  </a:extLst>
+                </a:gridCol>
+                <a:gridCol w="5047232">
+                  <a:extLst>
+                    <a:ext uri="{9D8B030D-6E8A-4147-A177-3AD203B41FA5}">
+                      <a16:colId xmlns:a16="http://schemas.microsoft.com/office/drawing/2014/main" val="609062678"/>
+                    </a:ext>
+                  </a:extLst>
+                </a:gridCol>
+              </a:tblGrid>
+              <a:tr h="2106581">
+                <a:tc>
+                  <a:txBody>
+                    <a:bodyPr/>
+                    <a:lstStyle/>
+                    <a:p>
+                      <a:pPr algn="ctr"/>
+                      <a:endParaRPr lang="de-DE" dirty="0"/>
+                    </a:p>
+                  </a:txBody>
+                  <a:tcPr anchor="ctr">
+                    <a:lnL w="0" cmpd="sng">
+                      <a:noFill/>
+                    </a:lnL>
+                    <a:lnR w="9525" cmpd="sng">
+                      <a:noFill/>
+                    </a:lnR>
+                    <a:lnT w="0" cmpd="sng">
+                      <a:noFill/>
+                    </a:lnT>
+                    <a:lnB w="9525" cmpd="sng">
+                      <a:noFill/>
+                    </a:lnB>
+                    <a:lnTlToBr w="12700" cmpd="sng">
+                      <a:noFill/>
+                      <a:prstDash val="solid"/>
+                    </a:lnTlToBr>
+                    <a:lnBlToTr w="12700" cmpd="sng">
+                      <a:noFill/>
+                      <a:prstDash val="solid"/>
+                    </a:lnBlToTr>
+                  </a:tcPr>
+                </a:tc>
+                <a:tc>
+                  <a:txBody>
+                    <a:bodyPr/>
+                    <a:lstStyle/>
+                    <a:p>
+                      <a:pPr algn="ctr"/>
+                      <a:endParaRPr lang="de-DE"/>
+                    </a:p>
+                  </a:txBody>
+                  <a:tcPr anchor="ctr">
+                    <a:lnL w="9525" cmpd="sng">
+                      <a:noFill/>
+                    </a:lnL>
+                    <a:lnR w="0" cmpd="sng">
+                      <a:noFill/>
+                    </a:lnR>
+                    <a:lnT w="0" cmpd="sng">
+                      <a:noFill/>
+                    </a:lnT>
+                    <a:lnB w="9525" cmpd="sng">
+                      <a:noFill/>
+                    </a:lnB>
+                    <a:lnTlToBr w="12700" cmpd="sng">
+                      <a:noFill/>
+                      <a:prstDash val="solid"/>
+                    </a:lnTlToBr>
+                    <a:lnBlToTr w="12700" cmpd="sng">
+                      <a:noFill/>
+                      <a:prstDash val="solid"/>
+                    </a:lnBlToTr>
+                  </a:tcPr>
+                </a:tc>
+                <a:extLst>
+                  <a:ext uri="{0D108BD9-81ED-4DB2-BD59-A6C34878D82A}">
+                    <a16:rowId xmlns:a16="http://schemas.microsoft.com/office/drawing/2014/main" val="2166864122"/>
+                  </a:ext>
+                </a:extLst>
+              </a:tr>
+              <a:tr h="2106581">
+                <a:tc>
+                  <a:txBody>
+                    <a:bodyPr/>
+                    <a:lstStyle/>
+                    <a:p>
+                      <a:pPr algn="ctr"/>
+                      <a:endParaRPr lang="de-DE" dirty="0"/>
+                    </a:p>
+                  </a:txBody>
+                  <a:tcPr anchor="ctr">
+                    <a:lnL w="0" cmpd="sng">
+                      <a:noFill/>
+                    </a:lnL>
+                    <a:lnR w="9525" cmpd="sng">
+                      <a:noFill/>
+                    </a:lnR>
+                    <a:lnT w="9525" cmpd="sng">
+                      <a:noFill/>
+                    </a:lnT>
+                    <a:lnB w="0" cmpd="sng">
+                      <a:noFill/>
+                    </a:lnB>
+                    <a:lnTlToBr w="12700" cmpd="sng">
+                      <a:noFill/>
+                      <a:prstDash val="solid"/>
+                    </a:lnTlToBr>
+                    <a:lnBlToTr w="12700" cmpd="sng">
+                      <a:noFill/>
+                      <a:prstDash val="solid"/>
+                    </a:lnBlToTr>
+                  </a:tcPr>
+                </a:tc>
+                <a:tc>
+                  <a:txBody>
+                    <a:bodyPr/>
+                    <a:lstStyle/>
+                    <a:p>
+                      <a:pPr algn="ctr"/>
+                      <a:endParaRPr lang="de-DE" dirty="0"/>
+                    </a:p>
+                  </a:txBody>
+                  <a:tcPr anchor="ctr">
+                    <a:lnL w="9525" cmpd="sng">
+                      <a:noFill/>
+                    </a:lnL>
+                    <a:lnR w="0" cmpd="sng">
+                      <a:noFill/>
+                    </a:lnR>
+                    <a:lnT w="9525" cmpd="sng">
+                      <a:noFill/>
+                    </a:lnT>
+                    <a:lnB w="0" cmpd="sng">
+                      <a:noFill/>
+                    </a:lnB>
+                    <a:lnTlToBr w="12700" cmpd="sng">
+                      <a:noFill/>
+                      <a:prstDash val="solid"/>
+                    </a:lnTlToBr>
+                    <a:lnBlToTr w="12700" cmpd="sng">
+                      <a:noFill/>
+                      <a:prstDash val="solid"/>
+                    </a:lnBlToTr>
+                  </a:tcPr>
+                </a:tc>
+                <a:extLst>
+                  <a:ext uri="{0D108BD9-81ED-4DB2-BD59-A6C34878D82A}">
+                    <a16:rowId xmlns:a16="http://schemas.microsoft.com/office/drawing/2014/main" val="677377322"/>
+                  </a:ext>
+                </a:extLst>
+              </a:tr>
+            </a:tbl>
+          </a:graphicData>
+        </a:graphic>
+      </p:graphicFrame>
+      <p:sp>
+        <p:nvSpPr>
+          <p:cNvPr id="7" name="Fußzeilenplatzhalter 6">
+            <a:extLst>
+              <a:ext uri="{FF2B5EF4-FFF2-40B4-BE49-F238E27FC236}">
+                <a16:creationId xmlns:a16="http://schemas.microsoft.com/office/drawing/2014/main" id="{5B751976-2FD7-4D69-AEA5-FC66429DA3D3}"/>
+              </a:ext>
+            </a:extLst>
+          </p:cNvPr>
+          <p:cNvSpPr>
+            <a:spLocks noGrp="1"/>
+          </p:cNvSpPr>
+          <p:nvPr>
+            <p:ph type="ftr" sz="quarter" idx="11"/>
+          </p:nvPr>
+        </p:nvSpPr>
+        <p:spPr>
+          <a:xfrm>
+            <a:off x="841374" y="6529182"/>
+            <a:ext cx="10509221" cy="166198"/>
+          </a:xfrm>
+        </p:spPr>
+        <p:txBody>
+          <a:bodyPr/>
+          <a:lstStyle/>
+          <a:p>
+            <a:pPr marL="6985" indent="-6985"/>
+            <a:r>
+              <a:rPr lang="de-DE" dirty="0"/>
+              <a:t>© msg systems ag | 2024 | Design </a:t>
+            </a:r>
+            <a:r>
+              <a:rPr lang="de-DE" dirty="0" err="1"/>
+              <a:t>Thinking</a:t>
+            </a:r>
+            <a:r>
+              <a:rPr lang="de-DE" dirty="0"/>
+              <a:t> Templates – </a:t>
+            </a:r>
+            <a:r>
+              <a:rPr lang="de-DE" dirty="0" err="1"/>
+              <a:t>How</a:t>
+            </a:r>
+            <a:r>
+              <a:rPr lang="de-DE" dirty="0"/>
+              <a:t>-Wow-</a:t>
+            </a:r>
+            <a:r>
+              <a:rPr lang="de-DE" dirty="0" err="1"/>
+              <a:t>Now</a:t>
+            </a:r>
+            <a:r>
+              <a:rPr lang="de-DE" dirty="0"/>
+              <a:t> Matrix </a:t>
+            </a:r>
+            <a:r>
+              <a:rPr lang="de-DE" dirty="0">
+                <a:hlinkClick r:id="rId3"/>
+              </a:rPr>
+              <a:t>www.designthinking-methods.de/en/3Ideenfindung/how-wow-now.html</a:t>
+            </a:r>
+            <a:endParaRPr lang="de-DE" dirty="0"/>
+          </a:p>
+        </p:txBody>
+      </p:sp>
+    </p:spTree>
+    <p:extLst>
+      <p:ext uri="{BB962C8B-B14F-4D97-AF65-F5344CB8AC3E}">
+        <p14:creationId xmlns:p14="http://schemas.microsoft.com/office/powerpoint/2010/main" val="585246773"/>
       </p:ext>
     </p:extLst>
   </p:cSld>
